--- a/slides/12423TN_10123169_TranGiaHuy1.pptx
+++ b/slides/12423TN_10123169_TranGiaHuy1.pptx
@@ -221,7 +221,7 @@
           <a:p>
             <a:fld id="{5F103131-DADB-46CD-8C42-3B5DBAA44550}" type="datetimeFigureOut">
               <a:rPr lang="en-US" smtClean="0"/>
-              <a:t>12/21/2025</a:t>
+              <a:t>1/3/2026</a:t>
             </a:fld>
             <a:endParaRPr lang="en-US"/>
           </a:p>
@@ -1633,7 +1633,7 @@
           <a:p>
             <a:fld id="{E2382AAD-9C0B-47AA-BF5F-9A0324F16D44}" type="datetimeFigureOut">
               <a:rPr lang="en-US" smtClean="0"/>
-              <a:t>12/21/2025</a:t>
+              <a:t>1/3/2026</a:t>
             </a:fld>
             <a:endParaRPr lang="en-US"/>
           </a:p>
@@ -1831,7 +1831,7 @@
           <a:p>
             <a:fld id="{E2382AAD-9C0B-47AA-BF5F-9A0324F16D44}" type="datetimeFigureOut">
               <a:rPr lang="en-US" smtClean="0"/>
-              <a:t>12/21/2025</a:t>
+              <a:t>1/3/2026</a:t>
             </a:fld>
             <a:endParaRPr lang="en-US"/>
           </a:p>
@@ -2039,7 +2039,7 @@
           <a:p>
             <a:fld id="{E2382AAD-9C0B-47AA-BF5F-9A0324F16D44}" type="datetimeFigureOut">
               <a:rPr lang="en-US" smtClean="0"/>
-              <a:t>12/21/2025</a:t>
+              <a:t>1/3/2026</a:t>
             </a:fld>
             <a:endParaRPr lang="en-US"/>
           </a:p>
@@ -2237,7 +2237,7 @@
           <a:p>
             <a:fld id="{E2382AAD-9C0B-47AA-BF5F-9A0324F16D44}" type="datetimeFigureOut">
               <a:rPr lang="en-US" smtClean="0"/>
-              <a:t>12/21/2025</a:t>
+              <a:t>1/3/2026</a:t>
             </a:fld>
             <a:endParaRPr lang="en-US"/>
           </a:p>
@@ -2512,7 +2512,7 @@
           <a:p>
             <a:fld id="{E2382AAD-9C0B-47AA-BF5F-9A0324F16D44}" type="datetimeFigureOut">
               <a:rPr lang="en-US" smtClean="0"/>
-              <a:t>12/21/2025</a:t>
+              <a:t>1/3/2026</a:t>
             </a:fld>
             <a:endParaRPr lang="en-US"/>
           </a:p>
@@ -2777,7 +2777,7 @@
           <a:p>
             <a:fld id="{E2382AAD-9C0B-47AA-BF5F-9A0324F16D44}" type="datetimeFigureOut">
               <a:rPr lang="en-US" smtClean="0"/>
-              <a:t>12/21/2025</a:t>
+              <a:t>1/3/2026</a:t>
             </a:fld>
             <a:endParaRPr lang="en-US"/>
           </a:p>
@@ -3189,7 +3189,7 @@
           <a:p>
             <a:fld id="{E2382AAD-9C0B-47AA-BF5F-9A0324F16D44}" type="datetimeFigureOut">
               <a:rPr lang="en-US" smtClean="0"/>
-              <a:t>12/21/2025</a:t>
+              <a:t>1/3/2026</a:t>
             </a:fld>
             <a:endParaRPr lang="en-US"/>
           </a:p>
@@ -3330,7 +3330,7 @@
           <a:p>
             <a:fld id="{E2382AAD-9C0B-47AA-BF5F-9A0324F16D44}" type="datetimeFigureOut">
               <a:rPr lang="en-US" smtClean="0"/>
-              <a:t>12/21/2025</a:t>
+              <a:t>1/3/2026</a:t>
             </a:fld>
             <a:endParaRPr lang="en-US"/>
           </a:p>
@@ -3443,7 +3443,7 @@
           <a:p>
             <a:fld id="{E2382AAD-9C0B-47AA-BF5F-9A0324F16D44}" type="datetimeFigureOut">
               <a:rPr lang="en-US" smtClean="0"/>
-              <a:t>12/21/2025</a:t>
+              <a:t>1/3/2026</a:t>
             </a:fld>
             <a:endParaRPr lang="en-US"/>
           </a:p>
@@ -3754,7 +3754,7 @@
           <a:p>
             <a:fld id="{E2382AAD-9C0B-47AA-BF5F-9A0324F16D44}" type="datetimeFigureOut">
               <a:rPr lang="en-US" smtClean="0"/>
-              <a:t>12/21/2025</a:t>
+              <a:t>1/3/2026</a:t>
             </a:fld>
             <a:endParaRPr lang="en-US"/>
           </a:p>
@@ -4042,7 +4042,7 @@
           <a:p>
             <a:fld id="{E2382AAD-9C0B-47AA-BF5F-9A0324F16D44}" type="datetimeFigureOut">
               <a:rPr lang="en-US" smtClean="0"/>
-              <a:t>12/21/2025</a:t>
+              <a:t>1/3/2026</a:t>
             </a:fld>
             <a:endParaRPr lang="en-US"/>
           </a:p>
@@ -4283,7 +4283,7 @@
           <a:p>
             <a:fld id="{E2382AAD-9C0B-47AA-BF5F-9A0324F16D44}" type="datetimeFigureOut">
               <a:rPr lang="en-US" smtClean="0"/>
-              <a:t>12/21/2025</a:t>
+              <a:t>1/3/2026</a:t>
             </a:fld>
             <a:endParaRPr lang="en-US"/>
           </a:p>
@@ -6482,14 +6482,14 @@
           <p:nvPr>
             <p:extLst>
               <p:ext uri="{D42A27DB-BD31-4B8C-83A1-F6EECF244321}">
-                <p14:modId xmlns:p14="http://schemas.microsoft.com/office/powerpoint/2010/main" val="2216302414"/>
+                <p14:modId xmlns:p14="http://schemas.microsoft.com/office/powerpoint/2010/main" val="1985483555"/>
               </p:ext>
             </p:extLst>
           </p:nvPr>
         </p:nvGraphicFramePr>
         <p:xfrm>
-          <a:off x="692286" y="3722762"/>
-          <a:ext cx="10533434" cy="2011680"/>
+          <a:off x="692286" y="3706238"/>
+          <a:ext cx="10533434" cy="2028204"/>
         </p:xfrm>
         <a:graphic>
           <a:graphicData uri="http://schemas.openxmlformats.org/drawingml/2006/table">
@@ -6532,7 +6532,7 @@
                   </a:extLst>
                 </a:gridCol>
               </a:tblGrid>
-              <a:tr h="0">
+              <a:tr h="368764">
                 <a:tc>
                   <a:txBody>
                     <a:bodyPr/>
@@ -6699,7 +6699,7 @@
                   </a:ext>
                 </a:extLst>
               </a:tr>
-              <a:tr h="0">
+              <a:tr h="368764">
                 <a:tc>
                   <a:txBody>
                     <a:bodyPr/>
@@ -6866,7 +6866,7 @@
                   </a:ext>
                 </a:extLst>
               </a:tr>
-              <a:tr h="0">
+              <a:tr h="645338">
                 <a:tc>
                   <a:txBody>
                     <a:bodyPr/>
@@ -7033,7 +7033,7 @@
                   </a:ext>
                 </a:extLst>
               </a:tr>
-              <a:tr h="0">
+              <a:tr h="645338">
                 <a:tc>
                   <a:txBody>
                     <a:bodyPr/>
